--- a/计算机组成原理/chapter1/chapter1 [自动保存的].pptx
+++ b/计算机组成原理/chapter1/chapter1 [自动保存的].pptx
@@ -10,6 +10,7 @@
     <p:sldId id="257" r:id="rId4"/>
     <p:sldId id="259" r:id="rId5"/>
     <p:sldId id="260" r:id="rId6"/>
+    <p:sldId id="261" r:id="rId7"/>
   </p:sldIdLst>
   <p:sldSz cx="12192000" cy="6858000"/>
   <p:notesSz cx="6858000" cy="9144000"/>
@@ -263,7 +264,7 @@
           <a:p>
             <a:fld id="{F5472D97-E31F-4FD6-9A09-CEA0CA5533A9}" type="datetimeFigureOut">
               <a:rPr lang="zh-CN" altLang="en-US" smtClean="0"/>
-              <a:t>2020/11/1</a:t>
+              <a:t>2020/11/17</a:t>
             </a:fld>
             <a:endParaRPr lang="zh-CN" altLang="en-US"/>
           </a:p>
@@ -461,7 +462,7 @@
           <a:p>
             <a:fld id="{F5472D97-E31F-4FD6-9A09-CEA0CA5533A9}" type="datetimeFigureOut">
               <a:rPr lang="zh-CN" altLang="en-US" smtClean="0"/>
-              <a:t>2020/11/1</a:t>
+              <a:t>2020/11/17</a:t>
             </a:fld>
             <a:endParaRPr lang="zh-CN" altLang="en-US"/>
           </a:p>
@@ -669,7 +670,7 @@
           <a:p>
             <a:fld id="{F5472D97-E31F-4FD6-9A09-CEA0CA5533A9}" type="datetimeFigureOut">
               <a:rPr lang="zh-CN" altLang="en-US" smtClean="0"/>
-              <a:t>2020/11/1</a:t>
+              <a:t>2020/11/17</a:t>
             </a:fld>
             <a:endParaRPr lang="zh-CN" altLang="en-US"/>
           </a:p>
@@ -867,7 +868,7 @@
           <a:p>
             <a:fld id="{F5472D97-E31F-4FD6-9A09-CEA0CA5533A9}" type="datetimeFigureOut">
               <a:rPr lang="zh-CN" altLang="en-US" smtClean="0"/>
-              <a:t>2020/11/1</a:t>
+              <a:t>2020/11/17</a:t>
             </a:fld>
             <a:endParaRPr lang="zh-CN" altLang="en-US"/>
           </a:p>
@@ -1142,7 +1143,7 @@
           <a:p>
             <a:fld id="{F5472D97-E31F-4FD6-9A09-CEA0CA5533A9}" type="datetimeFigureOut">
               <a:rPr lang="zh-CN" altLang="en-US" smtClean="0"/>
-              <a:t>2020/11/1</a:t>
+              <a:t>2020/11/17</a:t>
             </a:fld>
             <a:endParaRPr lang="zh-CN" altLang="en-US"/>
           </a:p>
@@ -1407,7 +1408,7 @@
           <a:p>
             <a:fld id="{F5472D97-E31F-4FD6-9A09-CEA0CA5533A9}" type="datetimeFigureOut">
               <a:rPr lang="zh-CN" altLang="en-US" smtClean="0"/>
-              <a:t>2020/11/1</a:t>
+              <a:t>2020/11/17</a:t>
             </a:fld>
             <a:endParaRPr lang="zh-CN" altLang="en-US"/>
           </a:p>
@@ -1819,7 +1820,7 @@
           <a:p>
             <a:fld id="{F5472D97-E31F-4FD6-9A09-CEA0CA5533A9}" type="datetimeFigureOut">
               <a:rPr lang="zh-CN" altLang="en-US" smtClean="0"/>
-              <a:t>2020/11/1</a:t>
+              <a:t>2020/11/17</a:t>
             </a:fld>
             <a:endParaRPr lang="zh-CN" altLang="en-US"/>
           </a:p>
@@ -1960,7 +1961,7 @@
           <a:p>
             <a:fld id="{F5472D97-E31F-4FD6-9A09-CEA0CA5533A9}" type="datetimeFigureOut">
               <a:rPr lang="zh-CN" altLang="en-US" smtClean="0"/>
-              <a:t>2020/11/1</a:t>
+              <a:t>2020/11/17</a:t>
             </a:fld>
             <a:endParaRPr lang="zh-CN" altLang="en-US"/>
           </a:p>
@@ -2073,7 +2074,7 @@
           <a:p>
             <a:fld id="{F5472D97-E31F-4FD6-9A09-CEA0CA5533A9}" type="datetimeFigureOut">
               <a:rPr lang="zh-CN" altLang="en-US" smtClean="0"/>
-              <a:t>2020/11/1</a:t>
+              <a:t>2020/11/17</a:t>
             </a:fld>
             <a:endParaRPr lang="zh-CN" altLang="en-US"/>
           </a:p>
@@ -2384,7 +2385,7 @@
           <a:p>
             <a:fld id="{F5472D97-E31F-4FD6-9A09-CEA0CA5533A9}" type="datetimeFigureOut">
               <a:rPr lang="zh-CN" altLang="en-US" smtClean="0"/>
-              <a:t>2020/11/1</a:t>
+              <a:t>2020/11/17</a:t>
             </a:fld>
             <a:endParaRPr lang="zh-CN" altLang="en-US"/>
           </a:p>
@@ -2672,7 +2673,7 @@
           <a:p>
             <a:fld id="{F5472D97-E31F-4FD6-9A09-CEA0CA5533A9}" type="datetimeFigureOut">
               <a:rPr lang="zh-CN" altLang="en-US" smtClean="0"/>
-              <a:t>2020/11/1</a:t>
+              <a:t>2020/11/17</a:t>
             </a:fld>
             <a:endParaRPr lang="zh-CN" altLang="en-US"/>
           </a:p>
@@ -2919,7 +2920,7 @@
           <a:p>
             <a:fld id="{F5472D97-E31F-4FD6-9A09-CEA0CA5533A9}" type="datetimeFigureOut">
               <a:rPr lang="zh-CN" altLang="en-US" smtClean="0"/>
-              <a:t>2020/11/1</a:t>
+              <a:t>2020/11/17</a:t>
             </a:fld>
             <a:endParaRPr lang="zh-CN" altLang="en-US"/>
           </a:p>
@@ -10672,6 +10673,653 @@
 </p:sld>
 </file>
 
+<file path=ppt/slides/slide6.xml><?xml version="1.0" encoding="utf-8"?>
+<p:sld xmlns:a="http://schemas.openxmlformats.org/drawingml/2006/main" xmlns:r="http://schemas.openxmlformats.org/officeDocument/2006/relationships" xmlns:p="http://schemas.openxmlformats.org/presentationml/2006/main">
+  <p:cSld>
+    <p:spTree>
+      <p:nvGrpSpPr>
+        <p:cNvPr id="1" name=""/>
+        <p:cNvGrpSpPr/>
+        <p:nvPr/>
+      </p:nvGrpSpPr>
+      <p:grpSpPr>
+        <a:xfrm>
+          <a:off x="0" y="0"/>
+          <a:ext cx="0" cy="0"/>
+          <a:chOff x="0" y="0"/>
+          <a:chExt cx="0" cy="0"/>
+        </a:xfrm>
+      </p:grpSpPr>
+      <p:grpSp>
+        <p:nvGrpSpPr>
+          <p:cNvPr id="16" name="组合 15">
+            <a:extLst>
+              <a:ext uri="{FF2B5EF4-FFF2-40B4-BE49-F238E27FC236}">
+                <a16:creationId xmlns:a16="http://schemas.microsoft.com/office/drawing/2014/main" id="{6E10488C-EAA0-4E8F-9A5D-C5D8D5325EFA}"/>
+              </a:ext>
+            </a:extLst>
+          </p:cNvPr>
+          <p:cNvGrpSpPr/>
+          <p:nvPr/>
+        </p:nvGrpSpPr>
+        <p:grpSpPr>
+          <a:xfrm>
+            <a:off x="503025" y="920566"/>
+            <a:ext cx="4964714" cy="4649543"/>
+            <a:chOff x="1249474" y="1881619"/>
+            <a:chExt cx="2596356" cy="3706197"/>
+          </a:xfrm>
+        </p:grpSpPr>
+        <p:sp>
+          <p:nvSpPr>
+            <p:cNvPr id="7" name="矩形: 圆角 6">
+              <a:extLst>
+                <a:ext uri="{FF2B5EF4-FFF2-40B4-BE49-F238E27FC236}">
+                  <a16:creationId xmlns:a16="http://schemas.microsoft.com/office/drawing/2014/main" id="{483418D7-4570-4BE3-A57E-C6508920DD94}"/>
+                </a:ext>
+              </a:extLst>
+            </p:cNvPr>
+            <p:cNvSpPr/>
+            <p:nvPr/>
+          </p:nvSpPr>
+          <p:spPr>
+            <a:xfrm>
+              <a:off x="1249474" y="1881619"/>
+              <a:ext cx="2596356" cy="3706197"/>
+            </a:xfrm>
+            <a:prstGeom prst="roundRect">
+              <a:avLst/>
+            </a:prstGeom>
+            <a:solidFill>
+              <a:srgbClr val="D9D9F3"/>
+            </a:solidFill>
+            <a:ln>
+              <a:noFill/>
+            </a:ln>
+            <a:effectLst>
+              <a:outerShdw blurRad="50800" dist="50800" algn="ctr" rotWithShape="0">
+                <a:schemeClr val="bg2">
+                  <a:lumMod val="50000"/>
+                  <a:alpha val="90000"/>
+                </a:schemeClr>
+              </a:outerShdw>
+            </a:effectLst>
+          </p:spPr>
+          <p:style>
+            <a:lnRef idx="2">
+              <a:schemeClr val="accent1">
+                <a:shade val="50000"/>
+              </a:schemeClr>
+            </a:lnRef>
+            <a:fillRef idx="1">
+              <a:schemeClr val="accent1"/>
+            </a:fillRef>
+            <a:effectRef idx="0">
+              <a:schemeClr val="accent1"/>
+            </a:effectRef>
+            <a:fontRef idx="minor">
+              <a:schemeClr val="lt1"/>
+            </a:fontRef>
+          </p:style>
+          <p:txBody>
+            <a:bodyPr rtlCol="0" anchor="ctr"/>
+            <a:lstStyle/>
+            <a:p>
+              <a:pPr algn="ctr"/>
+              <a:endParaRPr lang="zh-CN" altLang="en-US" b="1">
+                <a:effectLst>
+                  <a:outerShdw blurRad="38100" dist="38100" dir="2700000" algn="tl">
+                    <a:srgbClr val="000000">
+                      <a:alpha val="43137"/>
+                    </a:srgbClr>
+                  </a:outerShdw>
+                </a:effectLst>
+              </a:endParaRPr>
+            </a:p>
+          </p:txBody>
+        </p:sp>
+        <p:sp>
+          <p:nvSpPr>
+            <p:cNvPr id="9" name="矩形: 圆角 8">
+              <a:extLst>
+                <a:ext uri="{FF2B5EF4-FFF2-40B4-BE49-F238E27FC236}">
+                  <a16:creationId xmlns:a16="http://schemas.microsoft.com/office/drawing/2014/main" id="{82238410-3E5F-44E6-A43F-24A18119897B}"/>
+                </a:ext>
+              </a:extLst>
+            </p:cNvPr>
+            <p:cNvSpPr/>
+            <p:nvPr/>
+          </p:nvSpPr>
+          <p:spPr>
+            <a:xfrm>
+              <a:off x="1499325" y="3280406"/>
+              <a:ext cx="1121947" cy="1013442"/>
+            </a:xfrm>
+            <a:prstGeom prst="roundRect">
+              <a:avLst/>
+            </a:prstGeom>
+            <a:solidFill>
+              <a:srgbClr val="1EE3CF"/>
+            </a:solidFill>
+            <a:ln>
+              <a:noFill/>
+            </a:ln>
+            <a:effectLst>
+              <a:outerShdw blurRad="50800" dist="50800" algn="ctr" rotWithShape="0">
+                <a:schemeClr val="bg2">
+                  <a:lumMod val="50000"/>
+                  <a:alpha val="90000"/>
+                </a:schemeClr>
+              </a:outerShdw>
+            </a:effectLst>
+          </p:spPr>
+          <p:style>
+            <a:lnRef idx="2">
+              <a:schemeClr val="accent1">
+                <a:shade val="50000"/>
+              </a:schemeClr>
+            </a:lnRef>
+            <a:fillRef idx="1">
+              <a:schemeClr val="accent1"/>
+            </a:fillRef>
+            <a:effectRef idx="0">
+              <a:schemeClr val="accent1"/>
+            </a:effectRef>
+            <a:fontRef idx="minor">
+              <a:schemeClr val="lt1"/>
+            </a:fontRef>
+          </p:style>
+          <p:txBody>
+            <a:bodyPr rtlCol="0" anchor="ctr"/>
+            <a:lstStyle/>
+            <a:p>
+              <a:pPr algn="ctr"/>
+              <a:r>
+                <a:rPr lang="en-US" altLang="zh-CN" sz="2800" b="1">
+                  <a:solidFill>
+                    <a:schemeClr val="tx1"/>
+                  </a:solidFill>
+                  <a:latin typeface="方正粗黑宋简体" panose="02000000000000000000" pitchFamily="2" charset="-122"/>
+                  <a:ea typeface="方正粗黑宋简体" panose="02000000000000000000" pitchFamily="2" charset="-122"/>
+                </a:rPr>
+                <a:t>ALU</a:t>
+              </a:r>
+              <a:endParaRPr lang="zh-CN" altLang="en-US" sz="2800" b="1">
+                <a:solidFill>
+                  <a:schemeClr val="tx1"/>
+                </a:solidFill>
+                <a:latin typeface="方正粗黑宋简体" panose="02000000000000000000" pitchFamily="2" charset="-122"/>
+                <a:ea typeface="方正粗黑宋简体" panose="02000000000000000000" pitchFamily="2" charset="-122"/>
+              </a:endParaRPr>
+            </a:p>
+          </p:txBody>
+        </p:sp>
+        <p:sp>
+          <p:nvSpPr>
+            <p:cNvPr id="11" name="矩形: 圆角 10">
+              <a:extLst>
+                <a:ext uri="{FF2B5EF4-FFF2-40B4-BE49-F238E27FC236}">
+                  <a16:creationId xmlns:a16="http://schemas.microsoft.com/office/drawing/2014/main" id="{713CC634-769C-42E1-A4D9-F8A14297D64C}"/>
+                </a:ext>
+              </a:extLst>
+            </p:cNvPr>
+            <p:cNvSpPr/>
+            <p:nvPr/>
+          </p:nvSpPr>
+          <p:spPr>
+            <a:xfrm>
+              <a:off x="1499325" y="2015916"/>
+              <a:ext cx="893023" cy="832624"/>
+            </a:xfrm>
+            <a:prstGeom prst="roundRect">
+              <a:avLst/>
+            </a:prstGeom>
+            <a:solidFill>
+              <a:srgbClr val="00B0F0"/>
+            </a:solidFill>
+            <a:ln>
+              <a:noFill/>
+            </a:ln>
+            <a:effectLst>
+              <a:outerShdw blurRad="50800" dist="50800" algn="ctr" rotWithShape="0">
+                <a:schemeClr val="bg2">
+                  <a:lumMod val="50000"/>
+                  <a:alpha val="90000"/>
+                </a:schemeClr>
+              </a:outerShdw>
+            </a:effectLst>
+          </p:spPr>
+          <p:style>
+            <a:lnRef idx="2">
+              <a:schemeClr val="accent1">
+                <a:shade val="50000"/>
+              </a:schemeClr>
+            </a:lnRef>
+            <a:fillRef idx="1">
+              <a:schemeClr val="accent1"/>
+            </a:fillRef>
+            <a:effectRef idx="0">
+              <a:schemeClr val="accent1"/>
+            </a:effectRef>
+            <a:fontRef idx="minor">
+              <a:schemeClr val="lt1"/>
+            </a:fontRef>
+          </p:style>
+          <p:txBody>
+            <a:bodyPr rtlCol="0" anchor="ctr"/>
+            <a:lstStyle/>
+            <a:p>
+              <a:pPr algn="ctr"/>
+              <a:r>
+                <a:rPr lang="en-US" altLang="zh-CN" sz="2000" b="1">
+                  <a:solidFill>
+                    <a:schemeClr val="tx1"/>
+                  </a:solidFill>
+                  <a:latin typeface="方正粗黑宋简体" panose="02000000000000000000" pitchFamily="2" charset="-122"/>
+                  <a:ea typeface="方正粗黑宋简体" panose="02000000000000000000" pitchFamily="2" charset="-122"/>
+                </a:rPr>
+                <a:t>ACC</a:t>
+              </a:r>
+              <a:endParaRPr lang="zh-CN" altLang="en-US" sz="2000" b="1">
+                <a:solidFill>
+                  <a:schemeClr val="tx1"/>
+                </a:solidFill>
+                <a:latin typeface="方正粗黑宋简体" panose="02000000000000000000" pitchFamily="2" charset="-122"/>
+                <a:ea typeface="方正粗黑宋简体" panose="02000000000000000000" pitchFamily="2" charset="-122"/>
+              </a:endParaRPr>
+            </a:p>
+          </p:txBody>
+        </p:sp>
+        <p:sp>
+          <p:nvSpPr>
+            <p:cNvPr id="13" name="矩形: 圆角 12">
+              <a:extLst>
+                <a:ext uri="{FF2B5EF4-FFF2-40B4-BE49-F238E27FC236}">
+                  <a16:creationId xmlns:a16="http://schemas.microsoft.com/office/drawing/2014/main" id="{CB7568F1-98AE-4272-95A5-41439D517CB1}"/>
+                </a:ext>
+              </a:extLst>
+            </p:cNvPr>
+            <p:cNvSpPr/>
+            <p:nvPr/>
+          </p:nvSpPr>
+          <p:spPr>
+            <a:xfrm>
+              <a:off x="2918714" y="2015916"/>
+              <a:ext cx="680651" cy="832624"/>
+            </a:xfrm>
+            <a:prstGeom prst="roundRect">
+              <a:avLst/>
+            </a:prstGeom>
+            <a:solidFill>
+              <a:srgbClr val="00B0F0"/>
+            </a:solidFill>
+            <a:ln>
+              <a:noFill/>
+            </a:ln>
+            <a:effectLst>
+              <a:outerShdw blurRad="50800" dist="50800" algn="ctr" rotWithShape="0">
+                <a:schemeClr val="bg2">
+                  <a:lumMod val="50000"/>
+                  <a:alpha val="90000"/>
+                </a:schemeClr>
+              </a:outerShdw>
+            </a:effectLst>
+          </p:spPr>
+          <p:style>
+            <a:lnRef idx="2">
+              <a:schemeClr val="accent1">
+                <a:shade val="50000"/>
+              </a:schemeClr>
+            </a:lnRef>
+            <a:fillRef idx="1">
+              <a:schemeClr val="accent1"/>
+            </a:fillRef>
+            <a:effectRef idx="0">
+              <a:schemeClr val="accent1"/>
+            </a:effectRef>
+            <a:fontRef idx="minor">
+              <a:schemeClr val="lt1"/>
+            </a:fontRef>
+          </p:style>
+          <p:txBody>
+            <a:bodyPr rtlCol="0" anchor="ctr"/>
+            <a:lstStyle/>
+            <a:p>
+              <a:pPr algn="ctr"/>
+              <a:r>
+                <a:rPr lang="en-US" altLang="zh-CN" sz="2000" b="1">
+                  <a:solidFill>
+                    <a:schemeClr val="tx1"/>
+                  </a:solidFill>
+                  <a:latin typeface="方正粗黑宋简体" panose="02000000000000000000" pitchFamily="2" charset="-122"/>
+                  <a:ea typeface="方正粗黑宋简体" panose="02000000000000000000" pitchFamily="2" charset="-122"/>
+                </a:rPr>
+                <a:t>MQ</a:t>
+              </a:r>
+              <a:endParaRPr lang="zh-CN" altLang="en-US" sz="2000" b="1">
+                <a:solidFill>
+                  <a:schemeClr val="tx1"/>
+                </a:solidFill>
+                <a:latin typeface="方正粗黑宋简体" panose="02000000000000000000" pitchFamily="2" charset="-122"/>
+                <a:ea typeface="方正粗黑宋简体" panose="02000000000000000000" pitchFamily="2" charset="-122"/>
+              </a:endParaRPr>
+            </a:p>
+          </p:txBody>
+        </p:sp>
+        <p:sp>
+          <p:nvSpPr>
+            <p:cNvPr id="15" name="矩形: 圆角 14">
+              <a:extLst>
+                <a:ext uri="{FF2B5EF4-FFF2-40B4-BE49-F238E27FC236}">
+                  <a16:creationId xmlns:a16="http://schemas.microsoft.com/office/drawing/2014/main" id="{A1FCCED0-A12E-431E-B714-92422AB9D92D}"/>
+                </a:ext>
+              </a:extLst>
+            </p:cNvPr>
+            <p:cNvSpPr/>
+            <p:nvPr/>
+          </p:nvSpPr>
+          <p:spPr>
+            <a:xfrm>
+              <a:off x="1499325" y="4688404"/>
+              <a:ext cx="893023" cy="765112"/>
+            </a:xfrm>
+            <a:prstGeom prst="roundRect">
+              <a:avLst/>
+            </a:prstGeom>
+            <a:solidFill>
+              <a:srgbClr val="00B0F0"/>
+            </a:solidFill>
+            <a:ln>
+              <a:noFill/>
+            </a:ln>
+            <a:effectLst>
+              <a:outerShdw blurRad="50800" dist="50800" algn="ctr" rotWithShape="0">
+                <a:schemeClr val="bg2">
+                  <a:lumMod val="50000"/>
+                  <a:alpha val="90000"/>
+                </a:schemeClr>
+              </a:outerShdw>
+            </a:effectLst>
+          </p:spPr>
+          <p:style>
+            <a:lnRef idx="2">
+              <a:schemeClr val="accent1">
+                <a:shade val="50000"/>
+              </a:schemeClr>
+            </a:lnRef>
+            <a:fillRef idx="1">
+              <a:schemeClr val="accent1"/>
+            </a:fillRef>
+            <a:effectRef idx="0">
+              <a:schemeClr val="accent1"/>
+            </a:effectRef>
+            <a:fontRef idx="minor">
+              <a:schemeClr val="lt1"/>
+            </a:fontRef>
+          </p:style>
+          <p:txBody>
+            <a:bodyPr rtlCol="0" anchor="ctr"/>
+            <a:lstStyle/>
+            <a:p>
+              <a:pPr algn="ctr"/>
+              <a:r>
+                <a:rPr lang="en-US" altLang="zh-CN" sz="2000" b="1">
+                  <a:solidFill>
+                    <a:schemeClr val="tx1"/>
+                  </a:solidFill>
+                  <a:latin typeface="方正粗黑宋简体" panose="02000000000000000000" pitchFamily="2" charset="-122"/>
+                  <a:ea typeface="方正粗黑宋简体" panose="02000000000000000000" pitchFamily="2" charset="-122"/>
+                </a:rPr>
+                <a:t>X</a:t>
+              </a:r>
+              <a:endParaRPr lang="zh-CN" altLang="en-US" sz="2000" b="1">
+                <a:solidFill>
+                  <a:schemeClr val="tx1"/>
+                </a:solidFill>
+                <a:latin typeface="方正粗黑宋简体" panose="02000000000000000000" pitchFamily="2" charset="-122"/>
+                <a:ea typeface="方正粗黑宋简体" panose="02000000000000000000" pitchFamily="2" charset="-122"/>
+              </a:endParaRPr>
+            </a:p>
+          </p:txBody>
+        </p:sp>
+      </p:grpSp>
+      <p:cxnSp>
+        <p:nvCxnSpPr>
+          <p:cNvPr id="19" name="直接箭头连接符 18">
+            <a:extLst>
+              <a:ext uri="{FF2B5EF4-FFF2-40B4-BE49-F238E27FC236}">
+                <a16:creationId xmlns:a16="http://schemas.microsoft.com/office/drawing/2014/main" id="{157B2BEF-C22F-472B-8B17-61546F658BAF}"/>
+              </a:ext>
+            </a:extLst>
+          </p:cNvPr>
+          <p:cNvCxnSpPr/>
+          <p:nvPr/>
+        </p:nvCxnSpPr>
+        <p:spPr>
+          <a:xfrm>
+            <a:off x="2688412" y="1390261"/>
+            <a:ext cx="1006509" cy="0"/>
+          </a:xfrm>
+          <a:prstGeom prst="straightConnector1">
+            <a:avLst/>
+          </a:prstGeom>
+          <a:ln w="38100">
+            <a:tailEnd type="triangle"/>
+          </a:ln>
+        </p:spPr>
+        <p:style>
+          <a:lnRef idx="1">
+            <a:schemeClr val="accent1"/>
+          </a:lnRef>
+          <a:fillRef idx="0">
+            <a:schemeClr val="accent1"/>
+          </a:fillRef>
+          <a:effectRef idx="0">
+            <a:schemeClr val="accent1"/>
+          </a:effectRef>
+          <a:fontRef idx="minor">
+            <a:schemeClr val="tx1"/>
+          </a:fontRef>
+        </p:style>
+      </p:cxnSp>
+      <p:cxnSp>
+        <p:nvCxnSpPr>
+          <p:cNvPr id="20" name="直接箭头连接符 19">
+            <a:extLst>
+              <a:ext uri="{FF2B5EF4-FFF2-40B4-BE49-F238E27FC236}">
+                <a16:creationId xmlns:a16="http://schemas.microsoft.com/office/drawing/2014/main" id="{4BCC7D7B-962A-4B2C-9787-6A5358AAB414}"/>
+              </a:ext>
+            </a:extLst>
+          </p:cNvPr>
+          <p:cNvCxnSpPr>
+            <a:cxnSpLocks/>
+          </p:cNvCxnSpPr>
+          <p:nvPr/>
+        </p:nvCxnSpPr>
+        <p:spPr>
+          <a:xfrm flipH="1">
+            <a:off x="2688412" y="1859957"/>
+            <a:ext cx="1006509" cy="0"/>
+          </a:xfrm>
+          <a:prstGeom prst="straightConnector1">
+            <a:avLst/>
+          </a:prstGeom>
+          <a:ln w="38100">
+            <a:tailEnd type="triangle"/>
+          </a:ln>
+        </p:spPr>
+        <p:style>
+          <a:lnRef idx="1">
+            <a:schemeClr val="accent1"/>
+          </a:lnRef>
+          <a:fillRef idx="0">
+            <a:schemeClr val="accent1"/>
+          </a:fillRef>
+          <a:effectRef idx="0">
+            <a:schemeClr val="accent1"/>
+          </a:effectRef>
+          <a:fontRef idx="minor">
+            <a:schemeClr val="tx1"/>
+          </a:fontRef>
+        </p:style>
+      </p:cxnSp>
+      <p:sp>
+        <p:nvSpPr>
+          <p:cNvPr id="21" name="箭头: 下 20">
+            <a:extLst>
+              <a:ext uri="{FF2B5EF4-FFF2-40B4-BE49-F238E27FC236}">
+                <a16:creationId xmlns:a16="http://schemas.microsoft.com/office/drawing/2014/main" id="{98680264-61F5-47A0-8A55-06142D0A1A76}"/>
+              </a:ext>
+            </a:extLst>
+          </p:cNvPr>
+          <p:cNvSpPr/>
+          <p:nvPr/>
+        </p:nvSpPr>
+        <p:spPr>
+          <a:xfrm>
+            <a:off x="1371599" y="2133600"/>
+            <a:ext cx="333375" cy="541790"/>
+          </a:xfrm>
+          <a:prstGeom prst="downArrow">
+            <a:avLst/>
+          </a:prstGeom>
+          <a:noFill/>
+          <a:ln w="25400"/>
+        </p:spPr>
+        <p:style>
+          <a:lnRef idx="2">
+            <a:schemeClr val="accent1">
+              <a:shade val="50000"/>
+            </a:schemeClr>
+          </a:lnRef>
+          <a:fillRef idx="1">
+            <a:schemeClr val="accent1"/>
+          </a:fillRef>
+          <a:effectRef idx="0">
+            <a:schemeClr val="accent1"/>
+          </a:effectRef>
+          <a:fontRef idx="minor">
+            <a:schemeClr val="lt1"/>
+          </a:fontRef>
+        </p:style>
+        <p:txBody>
+          <a:bodyPr rtlCol="0" anchor="ctr"/>
+          <a:lstStyle/>
+          <a:p>
+            <a:pPr algn="ctr"/>
+            <a:endParaRPr lang="zh-CN" altLang="en-US"/>
+          </a:p>
+        </p:txBody>
+      </p:sp>
+      <p:sp>
+        <p:nvSpPr>
+          <p:cNvPr id="23" name="箭头: 下 22">
+            <a:extLst>
+              <a:ext uri="{FF2B5EF4-FFF2-40B4-BE49-F238E27FC236}">
+                <a16:creationId xmlns:a16="http://schemas.microsoft.com/office/drawing/2014/main" id="{449E755F-E02E-406F-BA1F-8B8B71BB2805}"/>
+              </a:ext>
+            </a:extLst>
+          </p:cNvPr>
+          <p:cNvSpPr/>
+          <p:nvPr/>
+        </p:nvSpPr>
+        <p:spPr>
+          <a:xfrm rot="10800000">
+            <a:off x="2095786" y="2133599"/>
+            <a:ext cx="333375" cy="518386"/>
+          </a:xfrm>
+          <a:prstGeom prst="downArrow">
+            <a:avLst/>
+          </a:prstGeom>
+          <a:noFill/>
+          <a:ln w="25400"/>
+        </p:spPr>
+        <p:style>
+          <a:lnRef idx="2">
+            <a:schemeClr val="accent1">
+              <a:shade val="50000"/>
+            </a:schemeClr>
+          </a:lnRef>
+          <a:fillRef idx="1">
+            <a:schemeClr val="accent1"/>
+          </a:fillRef>
+          <a:effectRef idx="0">
+            <a:schemeClr val="accent1"/>
+          </a:effectRef>
+          <a:fontRef idx="minor">
+            <a:schemeClr val="lt1"/>
+          </a:fontRef>
+        </p:style>
+        <p:txBody>
+          <a:bodyPr rtlCol="0" anchor="ctr"/>
+          <a:lstStyle/>
+          <a:p>
+            <a:pPr algn="ctr"/>
+            <a:endParaRPr lang="zh-CN" altLang="en-US"/>
+          </a:p>
+        </p:txBody>
+      </p:sp>
+      <p:sp>
+        <p:nvSpPr>
+          <p:cNvPr id="25" name="箭头: 下 24">
+            <a:extLst>
+              <a:ext uri="{FF2B5EF4-FFF2-40B4-BE49-F238E27FC236}">
+                <a16:creationId xmlns:a16="http://schemas.microsoft.com/office/drawing/2014/main" id="{59661566-2DA2-48A1-8082-78786E794087}"/>
+              </a:ext>
+            </a:extLst>
+          </p:cNvPr>
+          <p:cNvSpPr/>
+          <p:nvPr/>
+        </p:nvSpPr>
+        <p:spPr>
+          <a:xfrm rot="10800000">
+            <a:off x="1704973" y="3946783"/>
+            <a:ext cx="333375" cy="494984"/>
+          </a:xfrm>
+          <a:prstGeom prst="downArrow">
+            <a:avLst/>
+          </a:prstGeom>
+          <a:noFill/>
+          <a:ln w="25400"/>
+        </p:spPr>
+        <p:style>
+          <a:lnRef idx="2">
+            <a:schemeClr val="accent1">
+              <a:shade val="50000"/>
+            </a:schemeClr>
+          </a:lnRef>
+          <a:fillRef idx="1">
+            <a:schemeClr val="accent1"/>
+          </a:fillRef>
+          <a:effectRef idx="0">
+            <a:schemeClr val="accent1"/>
+          </a:effectRef>
+          <a:fontRef idx="minor">
+            <a:schemeClr val="lt1"/>
+          </a:fontRef>
+        </p:style>
+        <p:txBody>
+          <a:bodyPr rtlCol="0" anchor="ctr"/>
+          <a:lstStyle/>
+          <a:p>
+            <a:pPr algn="ctr"/>
+            <a:endParaRPr lang="zh-CN" altLang="en-US"/>
+          </a:p>
+        </p:txBody>
+      </p:sp>
+    </p:spTree>
+    <p:extLst>
+      <p:ext uri="{BB962C8B-B14F-4D97-AF65-F5344CB8AC3E}">
+        <p14:creationId xmlns:p14="http://schemas.microsoft.com/office/powerpoint/2010/main" val="1780458427"/>
+      </p:ext>
+    </p:extLst>
+  </p:cSld>
+  <p:clrMapOvr>
+    <a:masterClrMapping/>
+  </p:clrMapOvr>
+</p:sld>
+</file>
+
 <file path=ppt/theme/theme1.xml><?xml version="1.0" encoding="utf-8"?>
 <a:theme xmlns:a="http://schemas.openxmlformats.org/drawingml/2006/main" name="Office 主题​​">
   <a:themeElements>
